--- a/Capstone Modul 2.pptx
+++ b/Capstone Modul 2.pptx
@@ -19,8 +19,8 @@
     <p:sldId id="268" r:id="rId14"/>
     <p:sldId id="269" r:id="rId15"/>
     <p:sldId id="270" r:id="rId16"/>
-    <p:sldId id="271" r:id="rId17"/>
-    <p:sldId id="272" r:id="rId18"/>
+    <p:sldId id="272" r:id="rId17"/>
+    <p:sldId id="271" r:id="rId18"/>
     <p:sldId id="273" r:id="rId19"/>
     <p:sldId id="274" r:id="rId20"/>
     <p:sldId id="275" r:id="rId21"/>
@@ -129,15 +129,6 @@
 <p:cmAuthorLst xmlns:a="http://schemas.openxmlformats.org/drawingml/2006/main" xmlns:r="http://schemas.openxmlformats.org/officeDocument/2006/relationships" xmlns:p="http://schemas.openxmlformats.org/presentationml/2006/main">
   <p:cmAuthor id="1" name="ROG" initials="R" lastIdx="1" clrIdx="0"/>
 </p:cmAuthorLst>
-</file>
-
-<file path=ppt/comments/comment1.xml><?xml version="1.0" encoding="utf-8"?>
-<p:cmLst xmlns:a="http://schemas.openxmlformats.org/drawingml/2006/main" xmlns:r="http://schemas.openxmlformats.org/officeDocument/2006/relationships" xmlns:p="http://schemas.openxmlformats.org/presentationml/2006/main">
-  <p:cm authorId="1" dt="2022-09-23T17:31:59.214" idx="1">
-    <p:pos x="6117" y="497"/>
-    <p:text/>
-  </p:cm>
-</p:cmLst>
 </file>
 
 <file path=ppt/slideLayouts/slideLayout1.xml><?xml version="1.0" encoding="utf-8"?>
@@ -3873,7 +3864,7 @@
         <p:spPr>
           <a:xfrm>
             <a:off x="1013460" y="5262880"/>
-            <a:ext cx="9818370" cy="1198880"/>
+            <a:ext cx="9818370" cy="922020"/>
           </a:xfrm>
           <a:prstGeom prst="rect">
             <a:avLst/>
@@ -3899,22 +3890,16 @@
             </a:r>
             <a:r>
               <a:rPr lang="en-GB" altLang="en-US" b="1"/>
-              <a:t>kelas e</a:t>
-            </a:r>
-            <a:r>
-              <a:rPr lang="en-GB" altLang="en-US" b="1"/>
-              <a:t>conomy</a:t>
+              <a:t>kelas economy</a:t>
             </a:r>
             <a:r>
               <a:rPr lang="en-GB" altLang="en-US"/>
               <a:t>,</a:t>
             </a:r>
-            <a:endParaRPr lang="en-GB" altLang="en-US"/>
-          </a:p>
-          <a:p>
-            <a:endParaRPr lang="en-GB" altLang="en-US"/>
-          </a:p>
-          <a:p>
+            <a:r>
+              <a:rPr lang="en-US" altLang="en-GB"/>
+              <a:t> </a:t>
+            </a:r>
             <a:r>
               <a:rPr lang="en-GB" altLang="en-US"/>
               <a:t>dan pada kisaran umur </a:t>
@@ -3924,14 +3909,10 @@
               <a:t>Adults(31-45 tahun)</a:t>
             </a:r>
             <a:r>
-              <a:rPr lang="en-GB" altLang="en-US"/>
-              <a:t> dan </a:t>
-            </a:r>
-            <a:r>
-              <a:rPr lang="en-GB" altLang="en-US" b="1"/>
-              <a:t>Young Adults (16-30 tahun)</a:t>
-            </a:r>
-            <a:endParaRPr lang="en-GB" altLang="en-US" b="1"/>
+              <a:rPr lang="en-US" altLang="en-GB" b="1"/>
+              <a:t>.</a:t>
+            </a:r>
+            <a:endParaRPr lang="en-US" altLang="en-GB" b="1"/>
           </a:p>
         </p:txBody>
       </p:sp>
@@ -4045,7 +4026,7 @@
           <a:p>
             <a:r>
               <a:rPr lang="en-GB" altLang="en-US"/>
-              <a:t>Maka dari itu, untuk meningkatkan mutu pelayanan maka akan dianalisa dahulu 3 kategori dengan mean &lt; 3 tersebut.</a:t>
+              <a:t>Maka dari itu, untuk meningkatkan mutu pelayanan maka akan dianalisa 3 kategori dengan mean &lt; 3 tersebut.</a:t>
             </a:r>
             <a:endParaRPr lang="en-GB" altLang="en-US"/>
           </a:p>
@@ -4114,181 +4095,6 @@
           <a:p>
             <a:r>
               <a:rPr lang="en-GB" altLang="en-US"/>
-              <a:t>Ease of Online Booking</a:t>
-            </a:r>
-            <a:endParaRPr lang="en-GB" altLang="en-US"/>
-          </a:p>
-        </p:txBody>
-      </p:sp>
-      <p:sp>
-        <p:nvSpPr>
-          <p:cNvPr id="4" name="Text Box 3"/>
-          <p:cNvSpPr txBox="1"/>
-          <p:nvPr/>
-        </p:nvSpPr>
-        <p:spPr>
-          <a:xfrm>
-            <a:off x="433070" y="949325"/>
-            <a:ext cx="9404350" cy="1170305"/>
-          </a:xfrm>
-          <a:prstGeom prst="rect">
-            <a:avLst/>
-          </a:prstGeom>
-          <a:noFill/>
-        </p:spPr>
-        <p:txBody>
-          <a:bodyPr wrap="square" rtlCol="0">
-            <a:spAutoFit/>
-          </a:bodyPr>
-          <a:p>
-            <a:pPr>
-              <a:lnSpc>
-                <a:spcPct val="130000"/>
-              </a:lnSpc>
-            </a:pPr>
-            <a:r>
-              <a:rPr lang="en-GB" altLang="en-US">
-                <a:sym typeface="+mn-ea"/>
-              </a:rPr>
-              <a:t>Dengan adanya internet, orang mampu melihat jadwal dan membeli tiket pada tanggal tesrsebut terlebih dahulu dari komputer sendiri. Berikut akan dilihat bagaimana hubungan umur penumpang dengan kemudahan akses tersebut.</a:t>
-            </a:r>
-            <a:endParaRPr lang="en-GB" altLang="en-US"/>
-          </a:p>
-        </p:txBody>
-      </p:sp>
-      <p:pic>
-        <p:nvPicPr>
-          <p:cNvPr id="5" name="Content Placeholder 4"/>
-          <p:cNvPicPr>
-            <a:picLocks noChangeAspect="1"/>
-          </p:cNvPicPr>
-          <p:nvPr>
-            <p:ph idx="1"/>
-          </p:nvPr>
-        </p:nvPicPr>
-        <p:blipFill>
-          <a:blip r:embed="rId1"/>
-          <a:stretch>
-            <a:fillRect/>
-          </a:stretch>
-        </p:blipFill>
-        <p:spPr>
-          <a:xfrm>
-            <a:off x="4746625" y="2295525"/>
-            <a:ext cx="6332855" cy="4163695"/>
-          </a:xfrm>
-          <a:prstGeom prst="rect">
-            <a:avLst/>
-          </a:prstGeom>
-        </p:spPr>
-      </p:pic>
-      <p:sp>
-        <p:nvSpPr>
-          <p:cNvPr id="6" name="Text Box 5"/>
-          <p:cNvSpPr txBox="1"/>
-          <p:nvPr/>
-        </p:nvSpPr>
-        <p:spPr>
-          <a:xfrm>
-            <a:off x="263525" y="2489835"/>
-            <a:ext cx="3740785" cy="3692525"/>
-          </a:xfrm>
-          <a:prstGeom prst="rect">
-            <a:avLst/>
-          </a:prstGeom>
-          <a:noFill/>
-        </p:spPr>
-        <p:txBody>
-          <a:bodyPr wrap="square" rtlCol="0">
-            <a:spAutoFit/>
-          </a:bodyPr>
-          <a:p>
-            <a:r>
-              <a:rPr lang="en-GB" altLang="en-US"/>
-              <a:t>Dari tabel di atas bisa dilihat nilai yang dipilih dari setiap kelas rata-rata antara </a:t>
-            </a:r>
-            <a:r>
-              <a:rPr lang="en-GB" altLang="en-US" b="1"/>
-              <a:t>2 dan 3</a:t>
-            </a:r>
-            <a:r>
-              <a:rPr lang="en-GB" altLang="en-US"/>
-              <a:t>.</a:t>
-            </a:r>
-            <a:endParaRPr lang="en-GB" altLang="en-US"/>
-          </a:p>
-          <a:p>
-            <a:endParaRPr lang="en-GB" altLang="en-US"/>
-          </a:p>
-          <a:p>
-            <a:r>
-              <a:rPr lang="en-GB" altLang="en-US"/>
-              <a:t>Sebelumnya sudah dilihat rata-rata penumpang adalah orang tua dengan kisaran umur </a:t>
-            </a:r>
-            <a:r>
-              <a:rPr lang="en-GB" altLang="en-US" b="1"/>
-              <a:t>31-</a:t>
-            </a:r>
-            <a:r>
-              <a:rPr lang="en-US" altLang="en-GB" b="1"/>
-              <a:t> </a:t>
-            </a:r>
-            <a:r>
-              <a:rPr lang="en-GB" altLang="en-US" b="1"/>
-              <a:t>45 tahun</a:t>
-            </a:r>
-            <a:r>
-              <a:rPr lang="en-GB" altLang="en-US"/>
-              <a:t>.</a:t>
-            </a:r>
-            <a:endParaRPr lang="en-GB" altLang="en-US"/>
-          </a:p>
-          <a:p>
-            <a:endParaRPr lang="en-GB" altLang="en-US"/>
-          </a:p>
-          <a:p>
-            <a:r>
-              <a:rPr lang="en-GB" altLang="en-US"/>
-              <a:t>Hal tersebut menunjukan, kemudahan pembelian tiket dari internet dapat ditingkatkan dengan mempermudah metode pembelian untuk penumpang yang lebih tua.</a:t>
-            </a:r>
-            <a:endParaRPr lang="en-GB" altLang="en-US"/>
-          </a:p>
-        </p:txBody>
-      </p:sp>
-    </p:spTree>
-  </p:cSld>
-  <p:clrMapOvr>
-    <a:masterClrMapping/>
-  </p:clrMapOvr>
-</p:sld>
-</file>
-
-<file path=ppt/slides/slide16.xml><?xml version="1.0" encoding="utf-8"?>
-<p:sld xmlns:a="http://schemas.openxmlformats.org/drawingml/2006/main" xmlns:r="http://schemas.openxmlformats.org/officeDocument/2006/relationships" xmlns:p="http://schemas.openxmlformats.org/presentationml/2006/main">
-  <p:cSld>
-    <p:spTree>
-      <p:nvGrpSpPr>
-        <p:cNvPr id="1" name=""/>
-        <p:cNvGrpSpPr/>
-        <p:nvPr/>
-      </p:nvGrpSpPr>
-      <p:grpSpPr/>
-      <p:sp>
-        <p:nvSpPr>
-          <p:cNvPr id="2" name="Title 1"/>
-          <p:cNvSpPr>
-            <a:spLocks noGrp="1"/>
-          </p:cNvSpPr>
-          <p:nvPr>
-            <p:ph type="title"/>
-          </p:nvPr>
-        </p:nvSpPr>
-        <p:spPr/>
-        <p:txBody>
-          <a:bodyPr/>
-          <a:p>
-            <a:r>
-              <a:rPr lang="en-GB" altLang="en-US"/>
               <a:t>Inflight Wifi Service</a:t>
             </a:r>
             <a:endParaRPr lang="en-GB" altLang="en-US"/>
@@ -4355,7 +4161,7 @@
         <p:spPr>
           <a:xfrm>
             <a:off x="484505" y="2358390"/>
-            <a:ext cx="4925695" cy="2861310"/>
+            <a:ext cx="4925695" cy="3415030"/>
           </a:xfrm>
           <a:prstGeom prst="rect">
             <a:avLst/>
@@ -4369,7 +4175,23 @@
           <a:p>
             <a:r>
               <a:rPr lang="en-GB" altLang="en-US"/>
-              <a:t>Diagram treemap di atas menunjukan rata-rata nilai yang dipilih mengenai akses internet dalam pesawat. Dari diagram tersebut, nilai yang dipilih dari setiap kelas rata-rata antara </a:t>
+              <a:t>Diagram treemap </a:t>
+            </a:r>
+            <a:r>
+              <a:rPr lang="en-US" altLang="en-GB"/>
+              <a:t>ini </a:t>
+            </a:r>
+            <a:r>
+              <a:rPr lang="en-GB" altLang="en-US"/>
+              <a:t>menunjukan rata-rata nilai yang dipilih mengenai akses internet dalam pesawat. Dari diagram tersebut, </a:t>
+            </a:r>
+            <a:r>
+              <a:rPr lang="en-US" altLang="en-GB"/>
+              <a:t>kebanyakan </a:t>
+            </a:r>
+            <a:r>
+              <a:rPr lang="en-GB" altLang="en-US"/>
+              <a:t>nilai yang dipilih dari setiap kelas rata-rata antara </a:t>
             </a:r>
             <a:r>
               <a:rPr lang="en-US" altLang="en-GB"/>
@@ -4380,8 +4202,12 @@
               <a:t>2 dan 3</a:t>
             </a:r>
             <a:r>
-              <a:rPr lang="en-GB" altLang="en-US"/>
-              <a:t>.</a:t>
+              <a:rPr lang="en-US" altLang="en-GB" b="1"/>
+              <a:t> </a:t>
+            </a:r>
+            <a:r>
+              <a:rPr lang="en-US" altLang="en-GB"/>
+              <a:t>dan banyaknya penumpang di kelas economy dan business menyerupai.</a:t>
             </a:r>
             <a:endParaRPr lang="en-GB" altLang="en-US"/>
           </a:p>
@@ -4434,6 +4260,181 @@
 </p:sld>
 </file>
 
+<file path=ppt/slides/slide16.xml><?xml version="1.0" encoding="utf-8"?>
+<p:sld xmlns:a="http://schemas.openxmlformats.org/drawingml/2006/main" xmlns:r="http://schemas.openxmlformats.org/officeDocument/2006/relationships" xmlns:p="http://schemas.openxmlformats.org/presentationml/2006/main">
+  <p:cSld>
+    <p:spTree>
+      <p:nvGrpSpPr>
+        <p:cNvPr id="1" name=""/>
+        <p:cNvGrpSpPr/>
+        <p:nvPr/>
+      </p:nvGrpSpPr>
+      <p:grpSpPr/>
+      <p:sp>
+        <p:nvSpPr>
+          <p:cNvPr id="2" name="Title 1"/>
+          <p:cNvSpPr>
+            <a:spLocks noGrp="1"/>
+          </p:cNvSpPr>
+          <p:nvPr>
+            <p:ph type="title"/>
+          </p:nvPr>
+        </p:nvSpPr>
+        <p:spPr/>
+        <p:txBody>
+          <a:bodyPr/>
+          <a:p>
+            <a:r>
+              <a:rPr lang="en-GB" altLang="en-US"/>
+              <a:t>Ease of Online Booking</a:t>
+            </a:r>
+            <a:endParaRPr lang="en-GB" altLang="en-US"/>
+          </a:p>
+        </p:txBody>
+      </p:sp>
+      <p:sp>
+        <p:nvSpPr>
+          <p:cNvPr id="4" name="Text Box 3"/>
+          <p:cNvSpPr txBox="1"/>
+          <p:nvPr/>
+        </p:nvSpPr>
+        <p:spPr>
+          <a:xfrm>
+            <a:off x="433070" y="949325"/>
+            <a:ext cx="9404350" cy="1170305"/>
+          </a:xfrm>
+          <a:prstGeom prst="rect">
+            <a:avLst/>
+          </a:prstGeom>
+          <a:noFill/>
+        </p:spPr>
+        <p:txBody>
+          <a:bodyPr wrap="square" rtlCol="0">
+            <a:spAutoFit/>
+          </a:bodyPr>
+          <a:p>
+            <a:pPr>
+              <a:lnSpc>
+                <a:spcPct val="130000"/>
+              </a:lnSpc>
+            </a:pPr>
+            <a:r>
+              <a:rPr lang="en-GB" altLang="en-US">
+                <a:sym typeface="+mn-ea"/>
+              </a:rPr>
+              <a:t>Dengan adanya internet, orang mampu melihat jadwal dan membeli tiket pada tanggal tersebut terlebih dahulu dari komputer sendiri. Berikut akan dilihat bagaimana hubungan umur penumpang dengan kemudahan akses tersebut.</a:t>
+            </a:r>
+            <a:endParaRPr lang="en-GB" altLang="en-US"/>
+          </a:p>
+        </p:txBody>
+      </p:sp>
+      <p:pic>
+        <p:nvPicPr>
+          <p:cNvPr id="5" name="Content Placeholder 4"/>
+          <p:cNvPicPr>
+            <a:picLocks noChangeAspect="1"/>
+          </p:cNvPicPr>
+          <p:nvPr>
+            <p:ph idx="1"/>
+          </p:nvPr>
+        </p:nvPicPr>
+        <p:blipFill>
+          <a:blip r:embed="rId1"/>
+          <a:stretch>
+            <a:fillRect/>
+          </a:stretch>
+        </p:blipFill>
+        <p:spPr>
+          <a:xfrm>
+            <a:off x="4746625" y="2295525"/>
+            <a:ext cx="6332855" cy="4163695"/>
+          </a:xfrm>
+          <a:prstGeom prst="rect">
+            <a:avLst/>
+          </a:prstGeom>
+        </p:spPr>
+      </p:pic>
+      <p:sp>
+        <p:nvSpPr>
+          <p:cNvPr id="6" name="Text Box 5"/>
+          <p:cNvSpPr txBox="1"/>
+          <p:nvPr/>
+        </p:nvSpPr>
+        <p:spPr>
+          <a:xfrm>
+            <a:off x="263525" y="2489835"/>
+            <a:ext cx="3740785" cy="3692525"/>
+          </a:xfrm>
+          <a:prstGeom prst="rect">
+            <a:avLst/>
+          </a:prstGeom>
+          <a:noFill/>
+        </p:spPr>
+        <p:txBody>
+          <a:bodyPr wrap="square" rtlCol="0">
+            <a:spAutoFit/>
+          </a:bodyPr>
+          <a:p>
+            <a:r>
+              <a:rPr lang="en-GB" altLang="en-US"/>
+              <a:t>Dari tabel di atas bisa dilihat nilai yang dipilih dari setiap kelas rata-rata antara </a:t>
+            </a:r>
+            <a:r>
+              <a:rPr lang="en-GB" altLang="en-US" b="1"/>
+              <a:t>2 dan 3</a:t>
+            </a:r>
+            <a:r>
+              <a:rPr lang="en-GB" altLang="en-US"/>
+              <a:t>.</a:t>
+            </a:r>
+            <a:endParaRPr lang="en-GB" altLang="en-US"/>
+          </a:p>
+          <a:p>
+            <a:endParaRPr lang="en-GB" altLang="en-US"/>
+          </a:p>
+          <a:p>
+            <a:r>
+              <a:rPr lang="en-GB" altLang="en-US"/>
+              <a:t>Sebelumnya sudah dilihat rata-rata penumpang adalah orang tua dengan kisaran umur </a:t>
+            </a:r>
+            <a:r>
+              <a:rPr lang="en-GB" altLang="en-US" b="1"/>
+              <a:t>31-</a:t>
+            </a:r>
+            <a:r>
+              <a:rPr lang="en-US" altLang="en-GB" b="1"/>
+              <a:t> </a:t>
+            </a:r>
+            <a:r>
+              <a:rPr lang="en-GB" altLang="en-US" b="1"/>
+              <a:t>45 tahun</a:t>
+            </a:r>
+            <a:r>
+              <a:rPr lang="en-GB" altLang="en-US"/>
+              <a:t>.</a:t>
+            </a:r>
+            <a:endParaRPr lang="en-GB" altLang="en-US"/>
+          </a:p>
+          <a:p>
+            <a:endParaRPr lang="en-GB" altLang="en-US"/>
+          </a:p>
+          <a:p>
+            <a:r>
+              <a:rPr lang="en-GB" altLang="en-US"/>
+              <a:t>Hal tersebut menunjukan, kemudahan pembelian tiket dari internet dapat ditingkatkan dengan mempermudah metode pembelian untuk penumpang yang lebih tua.</a:t>
+            </a:r>
+            <a:endParaRPr lang="en-GB" altLang="en-US"/>
+          </a:p>
+        </p:txBody>
+      </p:sp>
+    </p:spTree>
+  </p:cSld>
+  <p:clrMapOvr>
+    <a:masterClrMapping/>
+  </p:clrMapOvr>
+</p:sld>
+</file>
+
 <file path=ppt/slides/slide17.xml><?xml version="1.0" encoding="utf-8"?>
 <p:sld xmlns:a="http://schemas.openxmlformats.org/drawingml/2006/main" xmlns:r="http://schemas.openxmlformats.org/officeDocument/2006/relationships" xmlns:p="http://schemas.openxmlformats.org/presentationml/2006/main">
   <p:cSld>
@@ -5082,56 +5083,26 @@
       <p:grpSpPr/>
       <p:sp>
         <p:nvSpPr>
-          <p:cNvPr id="2" name="Title 1"/>
-          <p:cNvSpPr>
-            <a:spLocks noGrp="1"/>
-          </p:cNvSpPr>
-          <p:nvPr>
-            <p:ph type="title"/>
-          </p:nvPr>
-        </p:nvSpPr>
-        <p:spPr/>
+          <p:cNvPr id="3" name="Content Placeholder 2"/>
+          <p:cNvSpPr>
+            <a:spLocks noGrp="1"/>
+          </p:cNvSpPr>
+          <p:nvPr>
+            <p:ph idx="1"/>
+          </p:nvPr>
+        </p:nvSpPr>
+        <p:spPr>
+          <a:xfrm>
+            <a:off x="501015" y="1690370"/>
+            <a:ext cx="10972800" cy="4953000"/>
+          </a:xfrm>
+        </p:spPr>
         <p:txBody>
           <a:bodyPr/>
           <a:p>
-            <a:endParaRPr lang="en-GB" altLang="en-US"/>
-          </a:p>
-        </p:txBody>
-      </p:sp>
-      <p:sp>
-        <p:nvSpPr>
-          <p:cNvPr id="3" name="Content Placeholder 2"/>
-          <p:cNvSpPr>
-            <a:spLocks noGrp="1"/>
-          </p:cNvSpPr>
-          <p:nvPr>
-            <p:ph idx="1"/>
-          </p:nvPr>
-        </p:nvSpPr>
-        <p:spPr/>
-        <p:txBody>
-          <a:bodyPr/>
-          <a:p>
-            <a:r>
-              <a:rPr lang="en-US" altLang="en-GB"/>
-              <a:t>Pernyataan Masalah</a:t>
-            </a:r>
-            <a:endParaRPr lang="en-US" altLang="en-GB"/>
-          </a:p>
-          <a:p>
             <a:r>
               <a:rPr lang="en-US" altLang="en-GB" sz="2000"/>
-              <a:t>Bandara ingin mengetahui bagaimana kualitas layanan penerbangan saat ini melalui sistem rating yang diberikan dalam bentuk survei </a:t>
-            </a:r>
-            <a:endParaRPr lang="en-US" altLang="en-GB" sz="2000"/>
-          </a:p>
-          <a:p>
-            <a:endParaRPr lang="en-US" altLang="en-GB" sz="2000"/>
-          </a:p>
-          <a:p>
-            <a:r>
-              <a:rPr lang="en-US" altLang="en-GB" sz="2000"/>
-              <a:t>dengan penilaian dari 1-5 di mana 1 adalah nilai terendah dan 5 adalah nilai tertinggi.</a:t>
+              <a:t>Bandara ingin mengetahui bagaimana kualitas layanan penerbangan saat ini melalui sistem rating yang diberikan dalam bentuk survei dengan penilaian dari 1-5 di mana 1 adalah nilai terendah dan 5 adalah nilai tertinggi.</a:t>
             </a:r>
             <a:endParaRPr lang="en-US" altLang="en-GB" sz="2000"/>
           </a:p>
@@ -5161,9 +5132,43 @@
           <a:p>
             <a:r>
               <a:rPr lang="en-US" altLang="en-GB" sz="2000"/>
-              <a:t>Hubungan nilai-nilai survei dengan kepuasaan penumpang</a:t>
+              <a:t>Apa yang harus ditingkatkan untuk meningkatkan mutu pelayanan penerbangan?</a:t>
             </a:r>
             <a:endParaRPr lang="en-US" altLang="en-GB" sz="2000"/>
+          </a:p>
+        </p:txBody>
+      </p:sp>
+      <p:sp>
+        <p:nvSpPr>
+          <p:cNvPr id="5" name="Text Box 4"/>
+          <p:cNvSpPr txBox="1"/>
+          <p:nvPr/>
+        </p:nvSpPr>
+        <p:spPr>
+          <a:xfrm>
+            <a:off x="808355" y="216535"/>
+            <a:ext cx="7102475" cy="1076325"/>
+          </a:xfrm>
+          <a:prstGeom prst="rect">
+            <a:avLst/>
+          </a:prstGeom>
+          <a:noFill/>
+        </p:spPr>
+        <p:txBody>
+          <a:bodyPr wrap="square" rtlCol="0">
+            <a:spAutoFit/>
+          </a:bodyPr>
+          <a:p>
+            <a:r>
+              <a:rPr lang="en-US" altLang="en-GB" sz="3200">
+                <a:sym typeface="+mn-ea"/>
+              </a:rPr>
+              <a:t>Pernyataan Masalah</a:t>
+            </a:r>
+            <a:endParaRPr lang="en-US" altLang="en-GB" sz="3200"/>
+          </a:p>
+          <a:p>
+            <a:endParaRPr lang="en-US" altLang="en-GB" sz="3200"/>
           </a:p>
         </p:txBody>
       </p:sp>
